--- a/slides/02 Strings.pptx
+++ b/slides/02 Strings.pptx
@@ -458,7 +458,7 @@
           <a:p>
             <a:fld id="{9819AC5B-5C28-4682-8A2A-3D2C4E3BE131}" type="datetimeFigureOut">
               <a:rPr lang="en-US" smtClean="0"/>
-              <a:t>7/3/2018</a:t>
+              <a:t>8/14/2018</a:t>
             </a:fld>
             <a:endParaRPr lang="en-US"/>
           </a:p>
@@ -666,7 +666,7 @@
           <a:p>
             <a:fld id="{9819AC5B-5C28-4682-8A2A-3D2C4E3BE131}" type="datetimeFigureOut">
               <a:rPr lang="en-US" smtClean="0"/>
-              <a:t>7/3/2018</a:t>
+              <a:t>8/14/2018</a:t>
             </a:fld>
             <a:endParaRPr lang="en-US"/>
           </a:p>
@@ -1120,7 +1120,7 @@
           <a:p>
             <a:fld id="{9819AC5B-5C28-4682-8A2A-3D2C4E3BE131}" type="datetimeFigureOut">
               <a:rPr lang="en-US" smtClean="0"/>
-              <a:t>7/3/2018</a:t>
+              <a:t>8/14/2018</a:t>
             </a:fld>
             <a:endParaRPr lang="en-US"/>
           </a:p>
@@ -1385,7 +1385,7 @@
           <a:p>
             <a:fld id="{9819AC5B-5C28-4682-8A2A-3D2C4E3BE131}" type="datetimeFigureOut">
               <a:rPr lang="en-US" smtClean="0"/>
-              <a:t>7/3/2018</a:t>
+              <a:t>8/14/2018</a:t>
             </a:fld>
             <a:endParaRPr lang="en-US"/>
           </a:p>
@@ -1797,7 +1797,7 @@
           <a:p>
             <a:fld id="{9819AC5B-5C28-4682-8A2A-3D2C4E3BE131}" type="datetimeFigureOut">
               <a:rPr lang="en-US" smtClean="0"/>
-              <a:t>7/3/2018</a:t>
+              <a:t>8/14/2018</a:t>
             </a:fld>
             <a:endParaRPr lang="en-US"/>
           </a:p>
@@ -1938,7 +1938,7 @@
           <a:p>
             <a:fld id="{9819AC5B-5C28-4682-8A2A-3D2C4E3BE131}" type="datetimeFigureOut">
               <a:rPr lang="en-US" smtClean="0"/>
-              <a:t>7/3/2018</a:t>
+              <a:t>8/14/2018</a:t>
             </a:fld>
             <a:endParaRPr lang="en-US"/>
           </a:p>
@@ -2051,7 +2051,7 @@
           <a:p>
             <a:fld id="{9819AC5B-5C28-4682-8A2A-3D2C4E3BE131}" type="datetimeFigureOut">
               <a:rPr lang="en-US" smtClean="0"/>
-              <a:t>7/3/2018</a:t>
+              <a:t>8/14/2018</a:t>
             </a:fld>
             <a:endParaRPr lang="en-US"/>
           </a:p>
@@ -2362,7 +2362,7 @@
           <a:p>
             <a:fld id="{9819AC5B-5C28-4682-8A2A-3D2C4E3BE131}" type="datetimeFigureOut">
               <a:rPr lang="en-US" smtClean="0"/>
-              <a:t>7/3/2018</a:t>
+              <a:t>8/14/2018</a:t>
             </a:fld>
             <a:endParaRPr lang="en-US"/>
           </a:p>
@@ -2650,7 +2650,7 @@
           <a:p>
             <a:fld id="{9819AC5B-5C28-4682-8A2A-3D2C4E3BE131}" type="datetimeFigureOut">
               <a:rPr lang="en-US" smtClean="0"/>
-              <a:t>7/3/2018</a:t>
+              <a:t>8/14/2018</a:t>
             </a:fld>
             <a:endParaRPr lang="en-US"/>
           </a:p>
@@ -2891,7 +2891,7 @@
           <a:p>
             <a:fld id="{9819AC5B-5C28-4682-8A2A-3D2C4E3BE131}" type="datetimeFigureOut">
               <a:rPr lang="en-US" smtClean="0"/>
-              <a:t>7/3/2018</a:t>
+              <a:t>8/14/2018</a:t>
             </a:fld>
             <a:endParaRPr lang="en-US"/>
           </a:p>
@@ -3584,7 +3584,7 @@
                 <a:ea typeface="ＭＳ Ｐゴシック" panose="020B0600070205080204" pitchFamily="34" charset="-128"/>
                 <a:cs typeface="Courier New" panose="02070309020205020404" pitchFamily="49" charset="0"/>
               </a:rPr>
-              <a:t>Exercises 2.1, 2.2</a:t>
+              <a:t>Exercises 5, 6</a:t>
             </a:r>
           </a:p>
         </p:txBody>
@@ -4287,7 +4287,7 @@
                 <a:ea typeface="ＭＳ Ｐゴシック" panose="020B0600070205080204" pitchFamily="34" charset="-128"/>
                 <a:cs typeface="Courier New" panose="02070309020205020404" pitchFamily="49" charset="0"/>
               </a:rPr>
-              <a:t>Exercise 2.3</a:t>
+              <a:t>Exercise 7</a:t>
             </a:r>
           </a:p>
           <a:p>
